--- a/maa2020/images/portfolio/MAA 2020.pptx
+++ b/maa2020/images/portfolio/MAA 2020.pptx
@@ -104,6 +104,11 @@
       </a:defRPr>
     </a:lvl9pPr>
   </p:defaultTextStyle>
+  <p:extLst>
+    <p:ext uri="{EFAFB233-063F-42B5-8137-9DF3F51BA10A}">
+      <p15:sldGuideLst xmlns:p15="http://schemas.microsoft.com/office/powerpoint/2012/main"/>
+    </p:ext>
+  </p:extLst>
 </p:presentation>
 </file>
 
@@ -256,7 +261,7 @@
           <a:p>
             <a:fld id="{73BDA9A5-D7FE-40FF-AFF2-644B3FB942D5}" type="datetimeFigureOut">
               <a:rPr lang="en-IN" smtClean="0"/>
-              <a:t>25-07-2020</a:t>
+              <a:t>08-04-2025</a:t>
             </a:fld>
             <a:endParaRPr lang="en-IN"/>
           </a:p>
@@ -456,7 +461,7 @@
           <a:p>
             <a:fld id="{73BDA9A5-D7FE-40FF-AFF2-644B3FB942D5}" type="datetimeFigureOut">
               <a:rPr lang="en-IN" smtClean="0"/>
-              <a:t>25-07-2020</a:t>
+              <a:t>08-04-2025</a:t>
             </a:fld>
             <a:endParaRPr lang="en-IN"/>
           </a:p>
@@ -666,7 +671,7 @@
           <a:p>
             <a:fld id="{73BDA9A5-D7FE-40FF-AFF2-644B3FB942D5}" type="datetimeFigureOut">
               <a:rPr lang="en-IN" smtClean="0"/>
-              <a:t>25-07-2020</a:t>
+              <a:t>08-04-2025</a:t>
             </a:fld>
             <a:endParaRPr lang="en-IN"/>
           </a:p>
@@ -866,7 +871,7 @@
           <a:p>
             <a:fld id="{73BDA9A5-D7FE-40FF-AFF2-644B3FB942D5}" type="datetimeFigureOut">
               <a:rPr lang="en-IN" smtClean="0"/>
-              <a:t>25-07-2020</a:t>
+              <a:t>08-04-2025</a:t>
             </a:fld>
             <a:endParaRPr lang="en-IN"/>
           </a:p>
@@ -1142,7 +1147,7 @@
           <a:p>
             <a:fld id="{73BDA9A5-D7FE-40FF-AFF2-644B3FB942D5}" type="datetimeFigureOut">
               <a:rPr lang="en-IN" smtClean="0"/>
-              <a:t>25-07-2020</a:t>
+              <a:t>08-04-2025</a:t>
             </a:fld>
             <a:endParaRPr lang="en-IN"/>
           </a:p>
@@ -1410,7 +1415,7 @@
           <a:p>
             <a:fld id="{73BDA9A5-D7FE-40FF-AFF2-644B3FB942D5}" type="datetimeFigureOut">
               <a:rPr lang="en-IN" smtClean="0"/>
-              <a:t>25-07-2020</a:t>
+              <a:t>08-04-2025</a:t>
             </a:fld>
             <a:endParaRPr lang="en-IN"/>
           </a:p>
@@ -1825,7 +1830,7 @@
           <a:p>
             <a:fld id="{73BDA9A5-D7FE-40FF-AFF2-644B3FB942D5}" type="datetimeFigureOut">
               <a:rPr lang="en-IN" smtClean="0"/>
-              <a:t>25-07-2020</a:t>
+              <a:t>08-04-2025</a:t>
             </a:fld>
             <a:endParaRPr lang="en-IN"/>
           </a:p>
@@ -1967,7 +1972,7 @@
           <a:p>
             <a:fld id="{73BDA9A5-D7FE-40FF-AFF2-644B3FB942D5}" type="datetimeFigureOut">
               <a:rPr lang="en-IN" smtClean="0"/>
-              <a:t>25-07-2020</a:t>
+              <a:t>08-04-2025</a:t>
             </a:fld>
             <a:endParaRPr lang="en-IN"/>
           </a:p>
@@ -2080,7 +2085,7 @@
           <a:p>
             <a:fld id="{73BDA9A5-D7FE-40FF-AFF2-644B3FB942D5}" type="datetimeFigureOut">
               <a:rPr lang="en-IN" smtClean="0"/>
-              <a:t>25-07-2020</a:t>
+              <a:t>08-04-2025</a:t>
             </a:fld>
             <a:endParaRPr lang="en-IN"/>
           </a:p>
@@ -2393,7 +2398,7 @@
           <a:p>
             <a:fld id="{73BDA9A5-D7FE-40FF-AFF2-644B3FB942D5}" type="datetimeFigureOut">
               <a:rPr lang="en-IN" smtClean="0"/>
-              <a:t>25-07-2020</a:t>
+              <a:t>08-04-2025</a:t>
             </a:fld>
             <a:endParaRPr lang="en-IN"/>
           </a:p>
@@ -2682,7 +2687,7 @@
           <a:p>
             <a:fld id="{73BDA9A5-D7FE-40FF-AFF2-644B3FB942D5}" type="datetimeFigureOut">
               <a:rPr lang="en-IN" smtClean="0"/>
-              <a:t>25-07-2020</a:t>
+              <a:t>08-04-2025</a:t>
             </a:fld>
             <a:endParaRPr lang="en-IN"/>
           </a:p>
@@ -2925,7 +2930,7 @@
           <a:p>
             <a:fld id="{73BDA9A5-D7FE-40FF-AFF2-644B3FB942D5}" type="datetimeFigureOut">
               <a:rPr lang="en-IN" smtClean="0"/>
-              <a:t>25-07-2020</a:t>
+              <a:t>08-04-2025</a:t>
             </a:fld>
             <a:endParaRPr lang="en-IN"/>
           </a:p>
@@ -3371,14 +3376,14 @@
           <a:lstStyle/>
           <a:p>
             <a:r>
-              <a:rPr lang="en-US" b="1" dirty="0">
+              <a:rPr lang="en-US" b="1">
                 <a:solidFill>
                   <a:srgbClr val="00B050"/>
                 </a:solidFill>
                 <a:latin typeface="Times New Roman" panose="02020603050405020304" pitchFamily="18" charset="0"/>
                 <a:cs typeface="Times New Roman" panose="02020603050405020304" pitchFamily="18" charset="0"/>
               </a:rPr>
-              <a:t>MAA 2020</a:t>
+              <a:t>MAA 2025</a:t>
             </a:r>
             <a:endParaRPr lang="en-IN" b="1" dirty="0">
               <a:solidFill>
